--- a/LendingClubCaseStudy.pptx
+++ b/LendingClubCaseStudy.pptx
@@ -7,13 +7,22 @@
     <p:sldMasterId id="2147483673" r:id="rId3"/>
   </p:sldMasterIdLst>
   <p:notesMasterIdLst>
-    <p:notesMasterId r:id="rId8"/>
+    <p:notesMasterId r:id="rId17"/>
   </p:notesMasterIdLst>
   <p:sldIdLst>
     <p:sldId id="352" r:id="rId4"/>
     <p:sldId id="330" r:id="rId5"/>
     <p:sldId id="299" r:id="rId6"/>
-    <p:sldId id="346" r:id="rId7"/>
+    <p:sldId id="353" r:id="rId7"/>
+    <p:sldId id="354" r:id="rId8"/>
+    <p:sldId id="355" r:id="rId9"/>
+    <p:sldId id="356" r:id="rId10"/>
+    <p:sldId id="360" r:id="rId11"/>
+    <p:sldId id="361" r:id="rId12"/>
+    <p:sldId id="362" r:id="rId13"/>
+    <p:sldId id="357" r:id="rId14"/>
+    <p:sldId id="359" r:id="rId15"/>
+    <p:sldId id="358" r:id="rId16"/>
   </p:sldIdLst>
   <p:sldSz cx="12192000" cy="6858000"/>
   <p:notesSz cx="6858000" cy="9144000"/>
@@ -12578,6 +12587,597 @@
 </p:sld>
 </file>
 
+<file path=ppt/slides/slide10.xml><?xml version="1.0" encoding="utf-8"?>
+<p:sld xmlns:a="http://schemas.openxmlformats.org/drawingml/2006/main" xmlns:r="http://schemas.openxmlformats.org/officeDocument/2006/relationships" xmlns:p="http://schemas.openxmlformats.org/presentationml/2006/main">
+  <p:cSld>
+    <p:spTree>
+      <p:nvGrpSpPr>
+        <p:cNvPr id="1" name=""/>
+        <p:cNvGrpSpPr/>
+        <p:nvPr/>
+      </p:nvGrpSpPr>
+      <p:grpSpPr>
+        <a:xfrm>
+          <a:off x="0" y="0"/>
+          <a:ext cx="0" cy="0"/>
+          <a:chOff x="0" y="0"/>
+          <a:chExt cx="0" cy="0"/>
+        </a:xfrm>
+      </p:grpSpPr>
+      <p:sp>
+        <p:nvSpPr>
+          <p:cNvPr id="2" name="Text Placeholder 1">
+            <a:extLst>
+              <a:ext uri="{FF2B5EF4-FFF2-40B4-BE49-F238E27FC236}">
+                <a16:creationId xmlns:a16="http://schemas.microsoft.com/office/drawing/2014/main" id="{D735F7F3-C1B5-4B60-A00A-4EB618DDFB5A}"/>
+              </a:ext>
+            </a:extLst>
+          </p:cNvPr>
+          <p:cNvSpPr>
+            <a:spLocks noGrp="1"/>
+          </p:cNvSpPr>
+          <p:nvPr>
+            <p:ph type="body" sz="quarter" idx="10"/>
+          </p:nvPr>
+        </p:nvSpPr>
+        <p:spPr/>
+        <p:txBody>
+          <a:bodyPr/>
+          <a:lstStyle/>
+          <a:p>
+            <a:r>
+              <a:rPr lang="en-US" dirty="0"/>
+              <a:t>Problem Statement</a:t>
+            </a:r>
+          </a:p>
+        </p:txBody>
+      </p:sp>
+      <p:sp>
+        <p:nvSpPr>
+          <p:cNvPr id="31" name="TextBox 30">
+            <a:extLst>
+              <a:ext uri="{FF2B5EF4-FFF2-40B4-BE49-F238E27FC236}">
+                <a16:creationId xmlns:a16="http://schemas.microsoft.com/office/drawing/2014/main" id="{78DE261D-5041-411B-B849-4145DE0844CA}"/>
+              </a:ext>
+            </a:extLst>
+          </p:cNvPr>
+          <p:cNvSpPr txBox="1"/>
+          <p:nvPr/>
+        </p:nvSpPr>
+        <p:spPr>
+          <a:xfrm>
+            <a:off x="1258802" y="2045083"/>
+            <a:ext cx="748249" cy="492443"/>
+          </a:xfrm>
+          <a:prstGeom prst="rect">
+            <a:avLst/>
+          </a:prstGeom>
+          <a:noFill/>
+        </p:spPr>
+        <p:txBody>
+          <a:bodyPr wrap="square" tIns="0" bIns="0" rtlCol="0" anchor="ctr">
+            <a:spAutoFit/>
+          </a:bodyPr>
+          <a:lstStyle/>
+          <a:p>
+            <a:pPr algn="ctr"/>
+            <a:r>
+              <a:rPr lang="en-US" altLang="ko-KR" sz="3200" b="1" dirty="0">
+                <a:solidFill>
+                  <a:schemeClr val="bg1"/>
+                </a:solidFill>
+                <a:cs typeface="Arial" pitchFamily="34" charset="0"/>
+              </a:rPr>
+              <a:t>01</a:t>
+            </a:r>
+          </a:p>
+        </p:txBody>
+      </p:sp>
+      <p:sp>
+        <p:nvSpPr>
+          <p:cNvPr id="58" name="TextBox 57">
+            <a:extLst>
+              <a:ext uri="{FF2B5EF4-FFF2-40B4-BE49-F238E27FC236}">
+                <a16:creationId xmlns:a16="http://schemas.microsoft.com/office/drawing/2014/main" id="{5E511214-0F2F-AAA3-BD88-7D6B805275EE}"/>
+              </a:ext>
+            </a:extLst>
+          </p:cNvPr>
+          <p:cNvSpPr txBox="1"/>
+          <p:nvPr/>
+        </p:nvSpPr>
+        <p:spPr>
+          <a:xfrm>
+            <a:off x="1442977" y="5522953"/>
+            <a:ext cx="8302906" cy="1200329"/>
+          </a:xfrm>
+          <a:prstGeom prst="rect">
+            <a:avLst/>
+          </a:prstGeom>
+          <a:noFill/>
+        </p:spPr>
+        <p:txBody>
+          <a:bodyPr wrap="square">
+            <a:spAutoFit/>
+          </a:bodyPr>
+          <a:lstStyle/>
+          <a:p>
+            <a:pPr marL="285750" indent="-285750">
+              <a:buFontTx/>
+              <a:buChar char="-"/>
+            </a:pPr>
+            <a:r>
+              <a:rPr lang="en-IN" dirty="0"/>
+              <a:t>Apply risk analytics in banking and financial services on data that institution has collected tracked as history of loans.</a:t>
+            </a:r>
+          </a:p>
+          <a:p>
+            <a:pPr marL="285750" indent="-285750">
+              <a:buFontTx/>
+              <a:buChar char="-"/>
+            </a:pPr>
+            <a:r>
+              <a:rPr lang="en-IN" dirty="0"/>
+              <a:t>financial  system</a:t>
+            </a:r>
+          </a:p>
+          <a:p>
+            <a:endParaRPr lang="en-IN" dirty="0"/>
+          </a:p>
+        </p:txBody>
+      </p:sp>
+      <p:pic>
+        <p:nvPicPr>
+          <p:cNvPr id="4" name="Picture 3">
+            <a:extLst>
+              <a:ext uri="{FF2B5EF4-FFF2-40B4-BE49-F238E27FC236}">
+                <a16:creationId xmlns:a16="http://schemas.microsoft.com/office/drawing/2014/main" id="{D6C12B7E-721B-B49E-590A-A3E3F96C9B6C}"/>
+              </a:ext>
+            </a:extLst>
+          </p:cNvPr>
+          <p:cNvPicPr>
+            <a:picLocks noChangeAspect="1"/>
+          </p:cNvPicPr>
+          <p:nvPr/>
+        </p:nvPicPr>
+        <p:blipFill>
+          <a:blip r:embed="rId2"/>
+          <a:stretch>
+            <a:fillRect/>
+          </a:stretch>
+        </p:blipFill>
+        <p:spPr>
+          <a:xfrm>
+            <a:off x="2069939" y="1255123"/>
+            <a:ext cx="8181373" cy="3705656"/>
+          </a:xfrm>
+          <a:prstGeom prst="rect">
+            <a:avLst/>
+          </a:prstGeom>
+        </p:spPr>
+      </p:pic>
+    </p:spTree>
+    <p:extLst>
+      <p:ext uri="{BB962C8B-B14F-4D97-AF65-F5344CB8AC3E}">
+        <p14:creationId xmlns:p14="http://schemas.microsoft.com/office/powerpoint/2010/main" val="1104028725"/>
+      </p:ext>
+    </p:extLst>
+  </p:cSld>
+  <p:clrMapOvr>
+    <a:masterClrMapping/>
+  </p:clrMapOvr>
+</p:sld>
+</file>
+
+<file path=ppt/slides/slide11.xml><?xml version="1.0" encoding="utf-8"?>
+<p:sld xmlns:a="http://schemas.openxmlformats.org/drawingml/2006/main" xmlns:r="http://schemas.openxmlformats.org/officeDocument/2006/relationships" xmlns:p="http://schemas.openxmlformats.org/presentationml/2006/main">
+  <p:cSld>
+    <p:spTree>
+      <p:nvGrpSpPr>
+        <p:cNvPr id="1" name=""/>
+        <p:cNvGrpSpPr/>
+        <p:nvPr/>
+      </p:nvGrpSpPr>
+      <p:grpSpPr>
+        <a:xfrm>
+          <a:off x="0" y="0"/>
+          <a:ext cx="0" cy="0"/>
+          <a:chOff x="0" y="0"/>
+          <a:chExt cx="0" cy="0"/>
+        </a:xfrm>
+      </p:grpSpPr>
+      <p:sp>
+        <p:nvSpPr>
+          <p:cNvPr id="4" name="TextBox 3">
+            <a:extLst>
+              <a:ext uri="{FF2B5EF4-FFF2-40B4-BE49-F238E27FC236}">
+                <a16:creationId xmlns:a16="http://schemas.microsoft.com/office/drawing/2014/main" id="{40BE9DAF-DA05-4973-8232-49413D8A9F4C}"/>
+              </a:ext>
+            </a:extLst>
+          </p:cNvPr>
+          <p:cNvSpPr txBox="1"/>
+          <p:nvPr/>
+        </p:nvSpPr>
+        <p:spPr>
+          <a:xfrm>
+            <a:off x="564928" y="2323877"/>
+            <a:ext cx="10569918" cy="830997"/>
+          </a:xfrm>
+          <a:prstGeom prst="rect">
+            <a:avLst/>
+          </a:prstGeom>
+          <a:noFill/>
+        </p:spPr>
+        <p:txBody>
+          <a:bodyPr wrap="square" rtlCol="0" anchor="ctr">
+            <a:spAutoFit/>
+          </a:bodyPr>
+          <a:lstStyle/>
+          <a:p>
+            <a:r>
+              <a:rPr lang="en-IN" altLang="ko-KR" sz="4800" b="1" dirty="0">
+                <a:solidFill>
+                  <a:schemeClr val="bg1"/>
+                </a:solidFill>
+                <a:cs typeface="Arial" pitchFamily="34" charset="0"/>
+              </a:rPr>
+              <a:t>Conclusion on Insight Revealed </a:t>
+            </a:r>
+            <a:endParaRPr lang="ko-KR" altLang="en-US" sz="4800" b="1" dirty="0">
+              <a:solidFill>
+                <a:schemeClr val="bg1"/>
+              </a:solidFill>
+              <a:cs typeface="Arial" pitchFamily="34" charset="0"/>
+            </a:endParaRPr>
+          </a:p>
+        </p:txBody>
+      </p:sp>
+    </p:spTree>
+    <p:extLst>
+      <p:ext uri="{BB962C8B-B14F-4D97-AF65-F5344CB8AC3E}">
+        <p14:creationId xmlns:p14="http://schemas.microsoft.com/office/powerpoint/2010/main" val="348072028"/>
+      </p:ext>
+    </p:extLst>
+  </p:cSld>
+  <p:clrMapOvr>
+    <a:masterClrMapping/>
+  </p:clrMapOvr>
+</p:sld>
+</file>
+
+<file path=ppt/slides/slide12.xml><?xml version="1.0" encoding="utf-8"?>
+<p:sld xmlns:a="http://schemas.openxmlformats.org/drawingml/2006/main" xmlns:r="http://schemas.openxmlformats.org/officeDocument/2006/relationships" xmlns:p="http://schemas.openxmlformats.org/presentationml/2006/main">
+  <p:cSld>
+    <p:spTree>
+      <p:nvGrpSpPr>
+        <p:cNvPr id="1" name=""/>
+        <p:cNvGrpSpPr/>
+        <p:nvPr/>
+      </p:nvGrpSpPr>
+      <p:grpSpPr>
+        <a:xfrm>
+          <a:off x="0" y="0"/>
+          <a:ext cx="0" cy="0"/>
+          <a:chOff x="0" y="0"/>
+          <a:chExt cx="0" cy="0"/>
+        </a:xfrm>
+      </p:grpSpPr>
+      <p:sp>
+        <p:nvSpPr>
+          <p:cNvPr id="2" name="Text Placeholder 1">
+            <a:extLst>
+              <a:ext uri="{FF2B5EF4-FFF2-40B4-BE49-F238E27FC236}">
+                <a16:creationId xmlns:a16="http://schemas.microsoft.com/office/drawing/2014/main" id="{D735F7F3-C1B5-4B60-A00A-4EB618DDFB5A}"/>
+              </a:ext>
+            </a:extLst>
+          </p:cNvPr>
+          <p:cNvSpPr>
+            <a:spLocks noGrp="1"/>
+          </p:cNvSpPr>
+          <p:nvPr>
+            <p:ph type="body" sz="quarter" idx="10"/>
+          </p:nvPr>
+        </p:nvSpPr>
+        <p:spPr/>
+        <p:txBody>
+          <a:bodyPr/>
+          <a:lstStyle/>
+          <a:p>
+            <a:r>
+              <a:rPr lang="en-US" dirty="0"/>
+              <a:t>Results:</a:t>
+            </a:r>
+          </a:p>
+        </p:txBody>
+      </p:sp>
+      <p:sp>
+        <p:nvSpPr>
+          <p:cNvPr id="31" name="TextBox 30">
+            <a:extLst>
+              <a:ext uri="{FF2B5EF4-FFF2-40B4-BE49-F238E27FC236}">
+                <a16:creationId xmlns:a16="http://schemas.microsoft.com/office/drawing/2014/main" id="{78DE261D-5041-411B-B849-4145DE0844CA}"/>
+              </a:ext>
+            </a:extLst>
+          </p:cNvPr>
+          <p:cNvSpPr txBox="1"/>
+          <p:nvPr/>
+        </p:nvSpPr>
+        <p:spPr>
+          <a:xfrm>
+            <a:off x="1258802" y="2045083"/>
+            <a:ext cx="748249" cy="492443"/>
+          </a:xfrm>
+          <a:prstGeom prst="rect">
+            <a:avLst/>
+          </a:prstGeom>
+          <a:noFill/>
+        </p:spPr>
+        <p:txBody>
+          <a:bodyPr wrap="square" tIns="0" bIns="0" rtlCol="0" anchor="ctr">
+            <a:spAutoFit/>
+          </a:bodyPr>
+          <a:lstStyle/>
+          <a:p>
+            <a:pPr algn="ctr"/>
+            <a:r>
+              <a:rPr lang="en-US" altLang="ko-KR" sz="3200" b="1" dirty="0">
+                <a:solidFill>
+                  <a:schemeClr val="bg1"/>
+                </a:solidFill>
+                <a:cs typeface="Arial" pitchFamily="34" charset="0"/>
+              </a:rPr>
+              <a:t>01</a:t>
+            </a:r>
+          </a:p>
+        </p:txBody>
+      </p:sp>
+      <p:sp>
+        <p:nvSpPr>
+          <p:cNvPr id="58" name="TextBox 57">
+            <a:extLst>
+              <a:ext uri="{FF2B5EF4-FFF2-40B4-BE49-F238E27FC236}">
+                <a16:creationId xmlns:a16="http://schemas.microsoft.com/office/drawing/2014/main" id="{5E511214-0F2F-AAA3-BD88-7D6B805275EE}"/>
+              </a:ext>
+            </a:extLst>
+          </p:cNvPr>
+          <p:cNvSpPr txBox="1"/>
+          <p:nvPr/>
+        </p:nvSpPr>
+        <p:spPr>
+          <a:xfrm>
+            <a:off x="725347" y="1444805"/>
+            <a:ext cx="10725873" cy="3693319"/>
+          </a:xfrm>
+          <a:prstGeom prst="rect">
+            <a:avLst/>
+          </a:prstGeom>
+          <a:noFill/>
+        </p:spPr>
+        <p:txBody>
+          <a:bodyPr wrap="square">
+            <a:spAutoFit/>
+          </a:bodyPr>
+          <a:lstStyle/>
+          <a:p>
+            <a:pPr marL="285750" indent="-285750">
+              <a:buFontTx/>
+              <a:buChar char="-"/>
+            </a:pPr>
+            <a:r>
+              <a:rPr lang="en-IN" dirty="0"/>
+              <a:t>Apply risk analytics in banking and financial services on data that institution has collected tracked as history of loans.</a:t>
+            </a:r>
+          </a:p>
+          <a:p>
+            <a:endParaRPr lang="en-IN" dirty="0"/>
+          </a:p>
+          <a:p>
+            <a:pPr marL="285750" indent="-285750">
+              <a:buFontTx/>
+              <a:buChar char="-"/>
+            </a:pPr>
+            <a:r>
+              <a:rPr lang="en-IN" dirty="0"/>
+              <a:t>Main objective to prevent or define the parameters by which out client can identity a risky customer who most likely to defaults in repayment of loan such that can avoid lending money in order to save money and mitigate credit risk</a:t>
+            </a:r>
+          </a:p>
+          <a:p>
+            <a:pPr marL="285750" indent="-285750">
+              <a:buFontTx/>
+              <a:buChar char="-"/>
+            </a:pPr>
+            <a:endParaRPr lang="en-IN" dirty="0"/>
+          </a:p>
+          <a:p>
+            <a:pPr marL="285750" indent="-285750">
+              <a:buFontTx/>
+              <a:buChar char="-"/>
+            </a:pPr>
+            <a:r>
+              <a:rPr lang="en-IN" dirty="0"/>
+              <a:t>We as a data analyst expected here to identify the main driving </a:t>
+            </a:r>
+            <a:r>
+              <a:rPr lang="en-IN" dirty="0" err="1"/>
+              <a:t>vaiables</a:t>
+            </a:r>
+            <a:r>
+              <a:rPr lang="en-IN" dirty="0"/>
+              <a:t> using which can </a:t>
+            </a:r>
+            <a:r>
+              <a:rPr lang="en-IN" dirty="0" err="1"/>
+              <a:t>identy</a:t>
+            </a:r>
+            <a:r>
+              <a:rPr lang="en-IN" dirty="0"/>
+              <a:t> a defaulter matric form raw data after applying EDA</a:t>
+            </a:r>
+          </a:p>
+          <a:p>
+            <a:endParaRPr lang="en-IN" dirty="0"/>
+          </a:p>
+          <a:p>
+            <a:pPr marL="285750" indent="-285750">
+              <a:buFontTx/>
+              <a:buChar char="-"/>
+            </a:pPr>
+            <a:r>
+              <a:rPr lang="en-IN" dirty="0"/>
+              <a:t>To learn and understand how data is used to minimise the risk of losing money while lending to customers for financial  system</a:t>
+            </a:r>
+          </a:p>
+          <a:p>
+            <a:endParaRPr lang="en-IN" dirty="0"/>
+          </a:p>
+        </p:txBody>
+      </p:sp>
+    </p:spTree>
+    <p:extLst>
+      <p:ext uri="{BB962C8B-B14F-4D97-AF65-F5344CB8AC3E}">
+        <p14:creationId xmlns:p14="http://schemas.microsoft.com/office/powerpoint/2010/main" val="3554046800"/>
+      </p:ext>
+    </p:extLst>
+  </p:cSld>
+  <p:clrMapOvr>
+    <a:masterClrMapping/>
+  </p:clrMapOvr>
+</p:sld>
+</file>
+
+<file path=ppt/slides/slide13.xml><?xml version="1.0" encoding="utf-8"?>
+<p:sld xmlns:a="http://schemas.openxmlformats.org/drawingml/2006/main" xmlns:r="http://schemas.openxmlformats.org/officeDocument/2006/relationships" xmlns:p="http://schemas.openxmlformats.org/presentationml/2006/main">
+  <p:cSld>
+    <p:spTree>
+      <p:nvGrpSpPr>
+        <p:cNvPr id="1" name=""/>
+        <p:cNvGrpSpPr/>
+        <p:nvPr/>
+      </p:nvGrpSpPr>
+      <p:grpSpPr>
+        <a:xfrm>
+          <a:off x="0" y="0"/>
+          <a:ext cx="0" cy="0"/>
+          <a:chOff x="0" y="0"/>
+          <a:chExt cx="0" cy="0"/>
+        </a:xfrm>
+      </p:grpSpPr>
+      <p:grpSp>
+        <p:nvGrpSpPr>
+          <p:cNvPr id="2" name="Group 1">
+            <a:extLst>
+              <a:ext uri="{FF2B5EF4-FFF2-40B4-BE49-F238E27FC236}">
+                <a16:creationId xmlns:a16="http://schemas.microsoft.com/office/drawing/2014/main" id="{537AA827-7151-4C97-B1C9-512E1B9DF56D}"/>
+              </a:ext>
+            </a:extLst>
+          </p:cNvPr>
+          <p:cNvGrpSpPr/>
+          <p:nvPr/>
+        </p:nvGrpSpPr>
+        <p:grpSpPr>
+          <a:xfrm>
+            <a:off x="6348549" y="2815673"/>
+            <a:ext cx="4972593" cy="1272821"/>
+            <a:chOff x="1" y="4760655"/>
+            <a:chExt cx="4972593" cy="1272821"/>
+          </a:xfrm>
+        </p:grpSpPr>
+        <p:sp>
+          <p:nvSpPr>
+            <p:cNvPr id="4" name="TextBox 3">
+              <a:extLst>
+                <a:ext uri="{FF2B5EF4-FFF2-40B4-BE49-F238E27FC236}">
+                  <a16:creationId xmlns:a16="http://schemas.microsoft.com/office/drawing/2014/main" id="{1DF8EF26-7AD5-4E7F-95B3-9A57CF80C483}"/>
+                </a:ext>
+              </a:extLst>
+            </p:cNvPr>
+            <p:cNvSpPr txBox="1"/>
+            <p:nvPr/>
+          </p:nvSpPr>
+          <p:spPr>
+            <a:xfrm>
+              <a:off x="1" y="4760655"/>
+              <a:ext cx="4972593" cy="923330"/>
+            </a:xfrm>
+            <a:prstGeom prst="rect">
+              <a:avLst/>
+            </a:prstGeom>
+            <a:noFill/>
+          </p:spPr>
+          <p:txBody>
+            <a:bodyPr wrap="square" rtlCol="0" anchor="ctr">
+              <a:spAutoFit/>
+            </a:bodyPr>
+            <a:lstStyle/>
+            <a:p>
+              <a:r>
+                <a:rPr lang="en-US" altLang="ko-KR" sz="5400" dirty="0">
+                  <a:solidFill>
+                    <a:schemeClr val="bg1"/>
+                  </a:solidFill>
+                  <a:cs typeface="Arial" pitchFamily="34" charset="0"/>
+                </a:rPr>
+                <a:t>Thank You…</a:t>
+              </a:r>
+              <a:endParaRPr lang="ko-KR" altLang="en-US" sz="5400" dirty="0">
+                <a:solidFill>
+                  <a:schemeClr val="bg1"/>
+                </a:solidFill>
+                <a:cs typeface="Arial" pitchFamily="34" charset="0"/>
+              </a:endParaRPr>
+            </a:p>
+          </p:txBody>
+        </p:sp>
+        <p:sp>
+          <p:nvSpPr>
+            <p:cNvPr id="5" name="TextBox 4">
+              <a:extLst>
+                <a:ext uri="{FF2B5EF4-FFF2-40B4-BE49-F238E27FC236}">
+                  <a16:creationId xmlns:a16="http://schemas.microsoft.com/office/drawing/2014/main" id="{BADEB2CA-D11F-4CA5-BC5A-6C38FF4BF392}"/>
+                </a:ext>
+              </a:extLst>
+            </p:cNvPr>
+            <p:cNvSpPr txBox="1"/>
+            <p:nvPr/>
+          </p:nvSpPr>
+          <p:spPr>
+            <a:xfrm>
+              <a:off x="51" y="5653820"/>
+              <a:ext cx="4972533" cy="379656"/>
+            </a:xfrm>
+            <a:prstGeom prst="rect">
+              <a:avLst/>
+            </a:prstGeom>
+            <a:noFill/>
+          </p:spPr>
+          <p:txBody>
+            <a:bodyPr wrap="square" rtlCol="0" anchor="ctr">
+              <a:spAutoFit/>
+            </a:bodyPr>
+            <a:lstStyle/>
+            <a:p>
+              <a:endParaRPr lang="ko-KR" altLang="en-US" sz="1867" dirty="0">
+                <a:solidFill>
+                  <a:schemeClr val="bg1"/>
+                </a:solidFill>
+                <a:cs typeface="Arial" pitchFamily="34" charset="0"/>
+              </a:endParaRPr>
+            </a:p>
+          </p:txBody>
+        </p:sp>
+      </p:grpSp>
+    </p:spTree>
+    <p:extLst>
+      <p:ext uri="{BB962C8B-B14F-4D97-AF65-F5344CB8AC3E}">
+        <p14:creationId xmlns:p14="http://schemas.microsoft.com/office/powerpoint/2010/main" val="743940613"/>
+      </p:ext>
+    </p:extLst>
+  </p:cSld>
+  <p:clrMapOvr>
+    <a:masterClrMapping/>
+  </p:clrMapOvr>
+</p:sld>
+</file>
+
 <file path=ppt/slides/slide2.xml><?xml version="1.0" encoding="utf-8"?>
 <p:sld xmlns:a="http://schemas.openxmlformats.org/drawingml/2006/main" xmlns:r="http://schemas.openxmlformats.org/officeDocument/2006/relationships" xmlns:p="http://schemas.openxmlformats.org/presentationml/2006/main">
   <p:cSld>
@@ -13582,114 +14182,1249 @@
           <a:chExt cx="0" cy="0"/>
         </a:xfrm>
       </p:grpSpPr>
-      <p:grpSp>
-        <p:nvGrpSpPr>
-          <p:cNvPr id="2" name="Group 1">
+      <p:sp>
+        <p:nvSpPr>
+          <p:cNvPr id="2" name="Text Placeholder 1">
             <a:extLst>
               <a:ext uri="{FF2B5EF4-FFF2-40B4-BE49-F238E27FC236}">
-                <a16:creationId xmlns:a16="http://schemas.microsoft.com/office/drawing/2014/main" id="{537AA827-7151-4C97-B1C9-512E1B9DF56D}"/>
+                <a16:creationId xmlns:a16="http://schemas.microsoft.com/office/drawing/2014/main" id="{D735F7F3-C1B5-4B60-A00A-4EB618DDFB5A}"/>
               </a:ext>
             </a:extLst>
           </p:cNvPr>
-          <p:cNvGrpSpPr/>
+          <p:cNvSpPr>
+            <a:spLocks noGrp="1"/>
+          </p:cNvSpPr>
+          <p:nvPr>
+            <p:ph type="body" sz="quarter" idx="4294967295"/>
+          </p:nvPr>
+        </p:nvSpPr>
+        <p:spPr>
+          <a:xfrm>
+            <a:off x="619125" y="339725"/>
+            <a:ext cx="11572875" cy="723900"/>
+          </a:xfrm>
+          <a:prstGeom prst="rect">
+            <a:avLst/>
+          </a:prstGeom>
+        </p:spPr>
+        <p:txBody>
+          <a:bodyPr/>
+          <a:lstStyle/>
+          <a:p>
+            <a:r>
+              <a:rPr lang="en-US" dirty="0"/>
+              <a:t>Analysis:</a:t>
+            </a:r>
+          </a:p>
+        </p:txBody>
+      </p:sp>
+      <p:sp>
+        <p:nvSpPr>
+          <p:cNvPr id="31" name="TextBox 30">
+            <a:extLst>
+              <a:ext uri="{FF2B5EF4-FFF2-40B4-BE49-F238E27FC236}">
+                <a16:creationId xmlns:a16="http://schemas.microsoft.com/office/drawing/2014/main" id="{78DE261D-5041-411B-B849-4145DE0844CA}"/>
+              </a:ext>
+            </a:extLst>
+          </p:cNvPr>
+          <p:cNvSpPr txBox="1"/>
           <p:nvPr/>
-        </p:nvGrpSpPr>
-        <p:grpSpPr>
+        </p:nvSpPr>
+        <p:spPr>
           <a:xfrm>
-            <a:off x="6348549" y="2815673"/>
-            <a:ext cx="4972593" cy="1272821"/>
-            <a:chOff x="1" y="4760655"/>
-            <a:chExt cx="4972593" cy="1272821"/>
+            <a:off x="1258802" y="2045083"/>
+            <a:ext cx="748249" cy="492443"/>
           </a:xfrm>
-        </p:grpSpPr>
-        <p:sp>
-          <p:nvSpPr>
-            <p:cNvPr id="4" name="TextBox 3">
-              <a:extLst>
-                <a:ext uri="{FF2B5EF4-FFF2-40B4-BE49-F238E27FC236}">
-                  <a16:creationId xmlns:a16="http://schemas.microsoft.com/office/drawing/2014/main" id="{1DF8EF26-7AD5-4E7F-95B3-9A57CF80C483}"/>
-                </a:ext>
-              </a:extLst>
-            </p:cNvPr>
-            <p:cNvSpPr txBox="1"/>
-            <p:nvPr/>
-          </p:nvSpPr>
-          <p:spPr>
-            <a:xfrm>
-              <a:off x="1" y="4760655"/>
-              <a:ext cx="4972593" cy="923330"/>
-            </a:xfrm>
-            <a:prstGeom prst="rect">
-              <a:avLst/>
-            </a:prstGeom>
-            <a:noFill/>
-          </p:spPr>
-          <p:txBody>
-            <a:bodyPr wrap="square" rtlCol="0" anchor="ctr">
-              <a:spAutoFit/>
-            </a:bodyPr>
-            <a:lstStyle/>
-            <a:p>
-              <a:r>
-                <a:rPr lang="en-US" altLang="ko-KR" sz="5400" dirty="0">
-                  <a:solidFill>
-                    <a:schemeClr val="bg1"/>
-                  </a:solidFill>
-                  <a:cs typeface="Arial" pitchFamily="34" charset="0"/>
-                </a:rPr>
-                <a:t>Thank You…</a:t>
-              </a:r>
-              <a:endParaRPr lang="ko-KR" altLang="en-US" sz="5400" dirty="0">
+          <a:prstGeom prst="rect">
+            <a:avLst/>
+          </a:prstGeom>
+          <a:noFill/>
+        </p:spPr>
+        <p:txBody>
+          <a:bodyPr wrap="square" tIns="0" bIns="0" rtlCol="0" anchor="ctr">
+            <a:spAutoFit/>
+          </a:bodyPr>
+          <a:lstStyle/>
+          <a:p>
+            <a:pPr algn="ctr"/>
+            <a:r>
+              <a:rPr lang="en-US" altLang="ko-KR" sz="3200" b="1" dirty="0">
                 <a:solidFill>
                   <a:schemeClr val="bg1"/>
                 </a:solidFill>
                 <a:cs typeface="Arial" pitchFamily="34" charset="0"/>
-              </a:endParaRPr>
-            </a:p>
-          </p:txBody>
-        </p:sp>
-        <p:sp>
-          <p:nvSpPr>
-            <p:cNvPr id="5" name="TextBox 4">
-              <a:extLst>
-                <a:ext uri="{FF2B5EF4-FFF2-40B4-BE49-F238E27FC236}">
-                  <a16:creationId xmlns:a16="http://schemas.microsoft.com/office/drawing/2014/main" id="{BADEB2CA-D11F-4CA5-BC5A-6C38FF4BF392}"/>
-                </a:ext>
-              </a:extLst>
-            </p:cNvPr>
-            <p:cNvSpPr txBox="1"/>
-            <p:nvPr/>
-          </p:nvSpPr>
-          <p:spPr>
-            <a:xfrm>
-              <a:off x="51" y="5653820"/>
-              <a:ext cx="4972533" cy="379656"/>
-            </a:xfrm>
-            <a:prstGeom prst="rect">
-              <a:avLst/>
-            </a:prstGeom>
-            <a:noFill/>
-          </p:spPr>
-          <p:txBody>
-            <a:bodyPr wrap="square" rtlCol="0" anchor="ctr">
-              <a:spAutoFit/>
-            </a:bodyPr>
-            <a:lstStyle/>
-            <a:p>
-              <a:endParaRPr lang="ko-KR" altLang="en-US" sz="1867" dirty="0">
+              </a:rPr>
+              <a:t>01</a:t>
+            </a:r>
+          </a:p>
+        </p:txBody>
+      </p:sp>
+      <p:pic>
+        <p:nvPicPr>
+          <p:cNvPr id="4" name="Picture 3">
+            <a:extLst>
+              <a:ext uri="{FF2B5EF4-FFF2-40B4-BE49-F238E27FC236}">
+                <a16:creationId xmlns:a16="http://schemas.microsoft.com/office/drawing/2014/main" id="{617046B0-1048-87F2-B79C-44C64D64AC4C}"/>
+              </a:ext>
+            </a:extLst>
+          </p:cNvPr>
+          <p:cNvPicPr>
+            <a:picLocks noChangeAspect="1"/>
+          </p:cNvPicPr>
+          <p:nvPr/>
+        </p:nvPicPr>
+        <p:blipFill>
+          <a:blip r:embed="rId2"/>
+          <a:stretch>
+            <a:fillRect/>
+          </a:stretch>
+        </p:blipFill>
+        <p:spPr>
+          <a:xfrm>
+            <a:off x="216209" y="1290551"/>
+            <a:ext cx="5810343" cy="3758161"/>
+          </a:xfrm>
+          <a:prstGeom prst="rect">
+            <a:avLst/>
+          </a:prstGeom>
+        </p:spPr>
+      </p:pic>
+      <p:sp>
+        <p:nvSpPr>
+          <p:cNvPr id="10" name="TextBox 9">
+            <a:extLst>
+              <a:ext uri="{FF2B5EF4-FFF2-40B4-BE49-F238E27FC236}">
+                <a16:creationId xmlns:a16="http://schemas.microsoft.com/office/drawing/2014/main" id="{5F4203AB-D1FC-F084-9B2C-28C903394680}"/>
+              </a:ext>
+            </a:extLst>
+          </p:cNvPr>
+          <p:cNvSpPr txBox="1"/>
+          <p:nvPr/>
+        </p:nvSpPr>
+        <p:spPr>
+          <a:xfrm>
+            <a:off x="7065200" y="1451527"/>
+            <a:ext cx="1888138" cy="3139321"/>
+          </a:xfrm>
+          <a:prstGeom prst="rect">
+            <a:avLst/>
+          </a:prstGeom>
+          <a:noFill/>
+        </p:spPr>
+        <p:txBody>
+          <a:bodyPr wrap="square">
+            <a:spAutoFit/>
+          </a:bodyPr>
+          <a:lstStyle/>
+          <a:p>
+            <a:r>
+              <a:rPr lang="en-US" dirty="0" err="1"/>
+              <a:t>Sdasas</a:t>
+            </a:r>
+            <a:endParaRPr lang="en-US" dirty="0"/>
+          </a:p>
+          <a:p>
+            <a:r>
+              <a:rPr lang="en-US" dirty="0" err="1"/>
+              <a:t>Dsa</a:t>
+            </a:r>
+            <a:endParaRPr lang="en-US" dirty="0"/>
+          </a:p>
+          <a:p>
+            <a:r>
+              <a:rPr lang="en-US" dirty="0"/>
+              <a:t>D</a:t>
+            </a:r>
+          </a:p>
+          <a:p>
+            <a:r>
+              <a:rPr lang="en-US" dirty="0"/>
+              <a:t>Sad</a:t>
+            </a:r>
+          </a:p>
+          <a:p>
+            <a:r>
+              <a:rPr lang="en-US" dirty="0" err="1"/>
+              <a:t>Sada</a:t>
+            </a:r>
+            <a:endParaRPr lang="en-US" dirty="0"/>
+          </a:p>
+          <a:p>
+            <a:r>
+              <a:rPr lang="en-US" dirty="0"/>
+              <a:t>Da</a:t>
+            </a:r>
+          </a:p>
+          <a:p>
+            <a:r>
+              <a:rPr lang="en-US" dirty="0" err="1"/>
+              <a:t>Dsa</a:t>
+            </a:r>
+            <a:endParaRPr lang="en-US" dirty="0"/>
+          </a:p>
+          <a:p>
+            <a:r>
+              <a:rPr lang="en-US" dirty="0"/>
+              <a:t>Ad</a:t>
+            </a:r>
+          </a:p>
+          <a:p>
+            <a:r>
+              <a:rPr lang="en-US" dirty="0"/>
+              <a:t>Ad</a:t>
+            </a:r>
+          </a:p>
+          <a:p>
+            <a:r>
+              <a:rPr lang="en-US" dirty="0"/>
+              <a:t>Sad</a:t>
+            </a:r>
+          </a:p>
+          <a:p>
+            <a:endParaRPr lang="en-US" dirty="0"/>
+          </a:p>
+        </p:txBody>
+      </p:sp>
+    </p:spTree>
+    <p:extLst>
+      <p:ext uri="{BB962C8B-B14F-4D97-AF65-F5344CB8AC3E}">
+        <p14:creationId xmlns:p14="http://schemas.microsoft.com/office/powerpoint/2010/main" val="2545823173"/>
+      </p:ext>
+    </p:extLst>
+  </p:cSld>
+  <p:clrMapOvr>
+    <a:masterClrMapping/>
+  </p:clrMapOvr>
+</p:sld>
+</file>
+
+<file path=ppt/slides/slide5.xml><?xml version="1.0" encoding="utf-8"?>
+<p:sld xmlns:a="http://schemas.openxmlformats.org/drawingml/2006/main" xmlns:r="http://schemas.openxmlformats.org/officeDocument/2006/relationships" xmlns:p="http://schemas.openxmlformats.org/presentationml/2006/main">
+  <p:cSld>
+    <p:spTree>
+      <p:nvGrpSpPr>
+        <p:cNvPr id="1" name=""/>
+        <p:cNvGrpSpPr/>
+        <p:nvPr/>
+      </p:nvGrpSpPr>
+      <p:grpSpPr>
+        <a:xfrm>
+          <a:off x="0" y="0"/>
+          <a:ext cx="0" cy="0"/>
+          <a:chOff x="0" y="0"/>
+          <a:chExt cx="0" cy="0"/>
+        </a:xfrm>
+      </p:grpSpPr>
+      <p:sp>
+        <p:nvSpPr>
+          <p:cNvPr id="2" name="Text Placeholder 1">
+            <a:extLst>
+              <a:ext uri="{FF2B5EF4-FFF2-40B4-BE49-F238E27FC236}">
+                <a16:creationId xmlns:a16="http://schemas.microsoft.com/office/drawing/2014/main" id="{D735F7F3-C1B5-4B60-A00A-4EB618DDFB5A}"/>
+              </a:ext>
+            </a:extLst>
+          </p:cNvPr>
+          <p:cNvSpPr>
+            <a:spLocks noGrp="1"/>
+          </p:cNvSpPr>
+          <p:nvPr>
+            <p:ph type="body" sz="quarter" idx="10"/>
+          </p:nvPr>
+        </p:nvSpPr>
+        <p:spPr/>
+        <p:txBody>
+          <a:bodyPr/>
+          <a:lstStyle/>
+          <a:p>
+            <a:r>
+              <a:rPr lang="en-IN" dirty="0"/>
+              <a:t>Analysis - Overall Loan Status</a:t>
+            </a:r>
+            <a:endParaRPr lang="en-US" dirty="0"/>
+          </a:p>
+        </p:txBody>
+      </p:sp>
+      <p:sp>
+        <p:nvSpPr>
+          <p:cNvPr id="31" name="TextBox 30">
+            <a:extLst>
+              <a:ext uri="{FF2B5EF4-FFF2-40B4-BE49-F238E27FC236}">
+                <a16:creationId xmlns:a16="http://schemas.microsoft.com/office/drawing/2014/main" id="{78DE261D-5041-411B-B849-4145DE0844CA}"/>
+              </a:ext>
+            </a:extLst>
+          </p:cNvPr>
+          <p:cNvSpPr txBox="1"/>
+          <p:nvPr/>
+        </p:nvSpPr>
+        <p:spPr>
+          <a:xfrm>
+            <a:off x="1258802" y="2045083"/>
+            <a:ext cx="748249" cy="492443"/>
+          </a:xfrm>
+          <a:prstGeom prst="rect">
+            <a:avLst/>
+          </a:prstGeom>
+          <a:noFill/>
+        </p:spPr>
+        <p:txBody>
+          <a:bodyPr wrap="square" tIns="0" bIns="0" rtlCol="0" anchor="ctr">
+            <a:spAutoFit/>
+          </a:bodyPr>
+          <a:lstStyle/>
+          <a:p>
+            <a:pPr algn="ctr"/>
+            <a:r>
+              <a:rPr lang="en-US" altLang="ko-KR" sz="3200" b="1" dirty="0">
                 <a:solidFill>
                   <a:schemeClr val="bg1"/>
                 </a:solidFill>
                 <a:cs typeface="Arial" pitchFamily="34" charset="0"/>
-              </a:endParaRPr>
-            </a:p>
-          </p:txBody>
-        </p:sp>
-      </p:grpSp>
+              </a:rPr>
+              <a:t>01</a:t>
+            </a:r>
+          </a:p>
+        </p:txBody>
+      </p:sp>
+      <p:sp>
+        <p:nvSpPr>
+          <p:cNvPr id="58" name="TextBox 57">
+            <a:extLst>
+              <a:ext uri="{FF2B5EF4-FFF2-40B4-BE49-F238E27FC236}">
+                <a16:creationId xmlns:a16="http://schemas.microsoft.com/office/drawing/2014/main" id="{5E511214-0F2F-AAA3-BD88-7D6B805275EE}"/>
+              </a:ext>
+            </a:extLst>
+          </p:cNvPr>
+          <p:cNvSpPr txBox="1"/>
+          <p:nvPr/>
+        </p:nvSpPr>
+        <p:spPr>
+          <a:xfrm>
+            <a:off x="6979534" y="1444805"/>
+            <a:ext cx="4471686" cy="1754326"/>
+          </a:xfrm>
+          <a:prstGeom prst="rect">
+            <a:avLst/>
+          </a:prstGeom>
+          <a:noFill/>
+        </p:spPr>
+        <p:txBody>
+          <a:bodyPr wrap="square">
+            <a:spAutoFit/>
+          </a:bodyPr>
+          <a:lstStyle/>
+          <a:p>
+            <a:r>
+              <a:rPr lang="en-IN" dirty="0" err="1"/>
+              <a:t>Asdsa</a:t>
+            </a:r>
+            <a:endParaRPr lang="en-IN" dirty="0"/>
+          </a:p>
+          <a:p>
+            <a:r>
+              <a:rPr lang="en-IN" dirty="0"/>
+              <a:t>Sa</a:t>
+            </a:r>
+          </a:p>
+          <a:p>
+            <a:r>
+              <a:rPr lang="en-IN" dirty="0" err="1"/>
+              <a:t>Dsa</a:t>
+            </a:r>
+            <a:endParaRPr lang="en-IN" dirty="0"/>
+          </a:p>
+          <a:p>
+            <a:r>
+              <a:rPr lang="en-IN" dirty="0" err="1"/>
+              <a:t>Dsa</a:t>
+            </a:r>
+            <a:endParaRPr lang="en-IN" dirty="0"/>
+          </a:p>
+          <a:p>
+            <a:r>
+              <a:rPr lang="en-IN" dirty="0"/>
+              <a:t>Da</a:t>
+            </a:r>
+          </a:p>
+          <a:p>
+            <a:r>
+              <a:rPr lang="en-IN" dirty="0"/>
+              <a:t>ds</a:t>
+            </a:r>
+          </a:p>
+        </p:txBody>
+      </p:sp>
     </p:spTree>
     <p:extLst>
       <p:ext uri="{BB962C8B-B14F-4D97-AF65-F5344CB8AC3E}">
-        <p14:creationId xmlns:p14="http://schemas.microsoft.com/office/powerpoint/2010/main" val="821656516"/>
+        <p14:creationId xmlns:p14="http://schemas.microsoft.com/office/powerpoint/2010/main" val="454500178"/>
+      </p:ext>
+    </p:extLst>
+  </p:cSld>
+  <p:clrMapOvr>
+    <a:masterClrMapping/>
+  </p:clrMapOvr>
+</p:sld>
+</file>
+
+<file path=ppt/slides/slide6.xml><?xml version="1.0" encoding="utf-8"?>
+<p:sld xmlns:a="http://schemas.openxmlformats.org/drawingml/2006/main" xmlns:r="http://schemas.openxmlformats.org/officeDocument/2006/relationships" xmlns:p="http://schemas.openxmlformats.org/presentationml/2006/main">
+  <p:cSld>
+    <p:spTree>
+      <p:nvGrpSpPr>
+        <p:cNvPr id="1" name=""/>
+        <p:cNvGrpSpPr/>
+        <p:nvPr/>
+      </p:nvGrpSpPr>
+      <p:grpSpPr>
+        <a:xfrm>
+          <a:off x="0" y="0"/>
+          <a:ext cx="0" cy="0"/>
+          <a:chOff x="0" y="0"/>
+          <a:chExt cx="0" cy="0"/>
+        </a:xfrm>
+      </p:grpSpPr>
+      <p:sp>
+        <p:nvSpPr>
+          <p:cNvPr id="2" name="Text Placeholder 1">
+            <a:extLst>
+              <a:ext uri="{FF2B5EF4-FFF2-40B4-BE49-F238E27FC236}">
+                <a16:creationId xmlns:a16="http://schemas.microsoft.com/office/drawing/2014/main" id="{D735F7F3-C1B5-4B60-A00A-4EB618DDFB5A}"/>
+              </a:ext>
+            </a:extLst>
+          </p:cNvPr>
+          <p:cNvSpPr>
+            <a:spLocks noGrp="1"/>
+          </p:cNvSpPr>
+          <p:nvPr>
+            <p:ph type="body" sz="quarter" idx="10"/>
+          </p:nvPr>
+        </p:nvSpPr>
+        <p:spPr/>
+        <p:txBody>
+          <a:bodyPr/>
+          <a:lstStyle/>
+          <a:p>
+            <a:r>
+              <a:rPr lang="en-US" dirty="0"/>
+              <a:t>Analysis: Loan Types</a:t>
+            </a:r>
+          </a:p>
+        </p:txBody>
+      </p:sp>
+      <p:sp>
+        <p:nvSpPr>
+          <p:cNvPr id="31" name="TextBox 30">
+            <a:extLst>
+              <a:ext uri="{FF2B5EF4-FFF2-40B4-BE49-F238E27FC236}">
+                <a16:creationId xmlns:a16="http://schemas.microsoft.com/office/drawing/2014/main" id="{78DE261D-5041-411B-B849-4145DE0844CA}"/>
+              </a:ext>
+            </a:extLst>
+          </p:cNvPr>
+          <p:cNvSpPr txBox="1"/>
+          <p:nvPr/>
+        </p:nvSpPr>
+        <p:spPr>
+          <a:xfrm>
+            <a:off x="1258802" y="2045083"/>
+            <a:ext cx="748249" cy="492443"/>
+          </a:xfrm>
+          <a:prstGeom prst="rect">
+            <a:avLst/>
+          </a:prstGeom>
+          <a:noFill/>
+        </p:spPr>
+        <p:txBody>
+          <a:bodyPr wrap="square" tIns="0" bIns="0" rtlCol="0" anchor="ctr">
+            <a:spAutoFit/>
+          </a:bodyPr>
+          <a:lstStyle/>
+          <a:p>
+            <a:pPr algn="ctr"/>
+            <a:r>
+              <a:rPr lang="en-US" altLang="ko-KR" sz="3200" b="1" dirty="0">
+                <a:solidFill>
+                  <a:schemeClr val="bg1"/>
+                </a:solidFill>
+                <a:cs typeface="Arial" pitchFamily="34" charset="0"/>
+              </a:rPr>
+              <a:t>01</a:t>
+            </a:r>
+          </a:p>
+        </p:txBody>
+      </p:sp>
+      <p:sp>
+        <p:nvSpPr>
+          <p:cNvPr id="58" name="TextBox 57">
+            <a:extLst>
+              <a:ext uri="{FF2B5EF4-FFF2-40B4-BE49-F238E27FC236}">
+                <a16:creationId xmlns:a16="http://schemas.microsoft.com/office/drawing/2014/main" id="{5E511214-0F2F-AAA3-BD88-7D6B805275EE}"/>
+              </a:ext>
+            </a:extLst>
+          </p:cNvPr>
+          <p:cNvSpPr txBox="1"/>
+          <p:nvPr/>
+        </p:nvSpPr>
+        <p:spPr>
+          <a:xfrm>
+            <a:off x="1400711" y="5098547"/>
+            <a:ext cx="3862086" cy="1477328"/>
+          </a:xfrm>
+          <a:prstGeom prst="rect">
+            <a:avLst/>
+          </a:prstGeom>
+          <a:noFill/>
+        </p:spPr>
+        <p:txBody>
+          <a:bodyPr wrap="square">
+            <a:spAutoFit/>
+          </a:bodyPr>
+          <a:lstStyle/>
+          <a:p>
+            <a:pPr marL="285750" indent="-285750">
+              <a:buFontTx/>
+              <a:buChar char="-"/>
+            </a:pPr>
+            <a:r>
+              <a:rPr lang="en-IN" dirty="0" err="1"/>
+              <a:t>Dsaaasd</a:t>
+            </a:r>
+            <a:endParaRPr lang="en-IN" dirty="0"/>
+          </a:p>
+          <a:p>
+            <a:pPr marL="285750" indent="-285750">
+              <a:buFontTx/>
+              <a:buChar char="-"/>
+            </a:pPr>
+            <a:r>
+              <a:rPr lang="en-IN" dirty="0"/>
+              <a:t>A</a:t>
+            </a:r>
+          </a:p>
+          <a:p>
+            <a:pPr marL="285750" indent="-285750">
+              <a:buFontTx/>
+              <a:buChar char="-"/>
+            </a:pPr>
+            <a:r>
+              <a:rPr lang="en-IN" dirty="0" err="1"/>
+              <a:t>Dsa</a:t>
+            </a:r>
+            <a:endParaRPr lang="en-IN" dirty="0"/>
+          </a:p>
+          <a:p>
+            <a:pPr marL="285750" indent="-285750">
+              <a:buFontTx/>
+              <a:buChar char="-"/>
+            </a:pPr>
+            <a:r>
+              <a:rPr lang="en-IN" dirty="0" err="1"/>
+              <a:t>Daa</a:t>
+            </a:r>
+            <a:endParaRPr lang="en-IN" dirty="0"/>
+          </a:p>
+          <a:p>
+            <a:pPr marL="285750" indent="-285750">
+              <a:buFontTx/>
+              <a:buChar char="-"/>
+            </a:pPr>
+            <a:r>
+              <a:rPr lang="en-IN" dirty="0" err="1"/>
+              <a:t>sd</a:t>
+            </a:r>
+            <a:endParaRPr lang="en-IN" dirty="0"/>
+          </a:p>
+        </p:txBody>
+      </p:sp>
+      <p:pic>
+        <p:nvPicPr>
+          <p:cNvPr id="4" name="Picture 3">
+            <a:extLst>
+              <a:ext uri="{FF2B5EF4-FFF2-40B4-BE49-F238E27FC236}">
+                <a16:creationId xmlns:a16="http://schemas.microsoft.com/office/drawing/2014/main" id="{7ADDA283-E790-D54F-7EC8-C9495093A620}"/>
+              </a:ext>
+            </a:extLst>
+          </p:cNvPr>
+          <p:cNvPicPr>
+            <a:picLocks noChangeAspect="1"/>
+          </p:cNvPicPr>
+          <p:nvPr/>
+        </p:nvPicPr>
+        <p:blipFill>
+          <a:blip r:embed="rId2"/>
+          <a:stretch>
+            <a:fillRect/>
+          </a:stretch>
+        </p:blipFill>
+        <p:spPr>
+          <a:xfrm>
+            <a:off x="567508" y="1103676"/>
+            <a:ext cx="5528492" cy="3534137"/>
+          </a:xfrm>
+          <a:prstGeom prst="rect">
+            <a:avLst/>
+          </a:prstGeom>
+        </p:spPr>
+      </p:pic>
+      <p:pic>
+        <p:nvPicPr>
+          <p:cNvPr id="6" name="Picture 5">
+            <a:extLst>
+              <a:ext uri="{FF2B5EF4-FFF2-40B4-BE49-F238E27FC236}">
+                <a16:creationId xmlns:a16="http://schemas.microsoft.com/office/drawing/2014/main" id="{5890649D-0018-0783-2F5E-FF735E092DE1}"/>
+              </a:ext>
+            </a:extLst>
+          </p:cNvPr>
+          <p:cNvPicPr>
+            <a:picLocks noChangeAspect="1"/>
+          </p:cNvPicPr>
+          <p:nvPr/>
+        </p:nvPicPr>
+        <p:blipFill>
+          <a:blip r:embed="rId3"/>
+          <a:stretch>
+            <a:fillRect/>
+          </a:stretch>
+        </p:blipFill>
+        <p:spPr>
+          <a:xfrm>
+            <a:off x="6057417" y="1320852"/>
+            <a:ext cx="5918522" cy="3216424"/>
+          </a:xfrm>
+          <a:prstGeom prst="rect">
+            <a:avLst/>
+          </a:prstGeom>
+        </p:spPr>
+      </p:pic>
+      <p:sp>
+        <p:nvSpPr>
+          <p:cNvPr id="12" name="TextBox 11">
+            <a:extLst>
+              <a:ext uri="{FF2B5EF4-FFF2-40B4-BE49-F238E27FC236}">
+                <a16:creationId xmlns:a16="http://schemas.microsoft.com/office/drawing/2014/main" id="{BF91540D-C439-820A-385C-03D5EE969D68}"/>
+              </a:ext>
+            </a:extLst>
+          </p:cNvPr>
+          <p:cNvSpPr txBox="1"/>
+          <p:nvPr/>
+        </p:nvSpPr>
+        <p:spPr>
+          <a:xfrm>
+            <a:off x="6643869" y="5006236"/>
+            <a:ext cx="4433990" cy="1477328"/>
+          </a:xfrm>
+          <a:prstGeom prst="rect">
+            <a:avLst/>
+          </a:prstGeom>
+          <a:noFill/>
+        </p:spPr>
+        <p:txBody>
+          <a:bodyPr wrap="square">
+            <a:spAutoFit/>
+          </a:bodyPr>
+          <a:lstStyle/>
+          <a:p>
+            <a:pPr marL="285750" indent="-285750">
+              <a:buFontTx/>
+              <a:buChar char="-"/>
+            </a:pPr>
+            <a:r>
+              <a:rPr lang="en-IN" dirty="0" err="1"/>
+              <a:t>Dsaaasd</a:t>
+            </a:r>
+            <a:endParaRPr lang="en-IN" dirty="0"/>
+          </a:p>
+          <a:p>
+            <a:pPr marL="285750" indent="-285750">
+              <a:buFontTx/>
+              <a:buChar char="-"/>
+            </a:pPr>
+            <a:r>
+              <a:rPr lang="en-IN" dirty="0"/>
+              <a:t>A</a:t>
+            </a:r>
+          </a:p>
+          <a:p>
+            <a:pPr marL="285750" indent="-285750">
+              <a:buFontTx/>
+              <a:buChar char="-"/>
+            </a:pPr>
+            <a:r>
+              <a:rPr lang="en-IN" dirty="0" err="1"/>
+              <a:t>Dsa</a:t>
+            </a:r>
+            <a:endParaRPr lang="en-IN" dirty="0"/>
+          </a:p>
+          <a:p>
+            <a:pPr marL="285750" indent="-285750">
+              <a:buFontTx/>
+              <a:buChar char="-"/>
+            </a:pPr>
+            <a:r>
+              <a:rPr lang="en-IN" dirty="0" err="1"/>
+              <a:t>Daa</a:t>
+            </a:r>
+            <a:endParaRPr lang="en-IN" dirty="0"/>
+          </a:p>
+          <a:p>
+            <a:pPr marL="285750" indent="-285750">
+              <a:buFontTx/>
+              <a:buChar char="-"/>
+            </a:pPr>
+            <a:r>
+              <a:rPr lang="en-IN" dirty="0" err="1"/>
+              <a:t>sd</a:t>
+            </a:r>
+            <a:endParaRPr lang="en-IN" dirty="0"/>
+          </a:p>
+        </p:txBody>
+      </p:sp>
+    </p:spTree>
+    <p:extLst>
+      <p:ext uri="{BB962C8B-B14F-4D97-AF65-F5344CB8AC3E}">
+        <p14:creationId xmlns:p14="http://schemas.microsoft.com/office/powerpoint/2010/main" val="469732110"/>
+      </p:ext>
+    </p:extLst>
+  </p:cSld>
+  <p:clrMapOvr>
+    <a:masterClrMapping/>
+  </p:clrMapOvr>
+</p:sld>
+</file>
+
+<file path=ppt/slides/slide7.xml><?xml version="1.0" encoding="utf-8"?>
+<p:sld xmlns:a="http://schemas.openxmlformats.org/drawingml/2006/main" xmlns:r="http://schemas.openxmlformats.org/officeDocument/2006/relationships" xmlns:p="http://schemas.openxmlformats.org/presentationml/2006/main">
+  <p:cSld>
+    <p:spTree>
+      <p:nvGrpSpPr>
+        <p:cNvPr id="1" name=""/>
+        <p:cNvGrpSpPr/>
+        <p:nvPr/>
+      </p:nvGrpSpPr>
+      <p:grpSpPr>
+        <a:xfrm>
+          <a:off x="0" y="0"/>
+          <a:ext cx="0" cy="0"/>
+          <a:chOff x="0" y="0"/>
+          <a:chExt cx="0" cy="0"/>
+        </a:xfrm>
+      </p:grpSpPr>
+      <p:sp>
+        <p:nvSpPr>
+          <p:cNvPr id="2" name="Text Placeholder 1">
+            <a:extLst>
+              <a:ext uri="{FF2B5EF4-FFF2-40B4-BE49-F238E27FC236}">
+                <a16:creationId xmlns:a16="http://schemas.microsoft.com/office/drawing/2014/main" id="{D735F7F3-C1B5-4B60-A00A-4EB618DDFB5A}"/>
+              </a:ext>
+            </a:extLst>
+          </p:cNvPr>
+          <p:cNvSpPr>
+            <a:spLocks noGrp="1"/>
+          </p:cNvSpPr>
+          <p:nvPr>
+            <p:ph type="body" sz="quarter" idx="10"/>
+          </p:nvPr>
+        </p:nvSpPr>
+        <p:spPr/>
+        <p:txBody>
+          <a:bodyPr/>
+          <a:lstStyle/>
+          <a:p>
+            <a:r>
+              <a:rPr lang="en-US" dirty="0"/>
+              <a:t>Problem Statement</a:t>
+            </a:r>
+          </a:p>
+        </p:txBody>
+      </p:sp>
+      <p:sp>
+        <p:nvSpPr>
+          <p:cNvPr id="31" name="TextBox 30">
+            <a:extLst>
+              <a:ext uri="{FF2B5EF4-FFF2-40B4-BE49-F238E27FC236}">
+                <a16:creationId xmlns:a16="http://schemas.microsoft.com/office/drawing/2014/main" id="{78DE261D-5041-411B-B849-4145DE0844CA}"/>
+              </a:ext>
+            </a:extLst>
+          </p:cNvPr>
+          <p:cNvSpPr txBox="1"/>
+          <p:nvPr/>
+        </p:nvSpPr>
+        <p:spPr>
+          <a:xfrm>
+            <a:off x="1258802" y="2045083"/>
+            <a:ext cx="748249" cy="492443"/>
+          </a:xfrm>
+          <a:prstGeom prst="rect">
+            <a:avLst/>
+          </a:prstGeom>
+          <a:noFill/>
+        </p:spPr>
+        <p:txBody>
+          <a:bodyPr wrap="square" tIns="0" bIns="0" rtlCol="0" anchor="ctr">
+            <a:spAutoFit/>
+          </a:bodyPr>
+          <a:lstStyle/>
+          <a:p>
+            <a:pPr algn="ctr"/>
+            <a:r>
+              <a:rPr lang="en-US" altLang="ko-KR" sz="3200" b="1" dirty="0">
+                <a:solidFill>
+                  <a:schemeClr val="bg1"/>
+                </a:solidFill>
+                <a:cs typeface="Arial" pitchFamily="34" charset="0"/>
+              </a:rPr>
+              <a:t>01</a:t>
+            </a:r>
+          </a:p>
+        </p:txBody>
+      </p:sp>
+      <p:sp>
+        <p:nvSpPr>
+          <p:cNvPr id="58" name="TextBox 57">
+            <a:extLst>
+              <a:ext uri="{FF2B5EF4-FFF2-40B4-BE49-F238E27FC236}">
+                <a16:creationId xmlns:a16="http://schemas.microsoft.com/office/drawing/2014/main" id="{5E511214-0F2F-AAA3-BD88-7D6B805275EE}"/>
+              </a:ext>
+            </a:extLst>
+          </p:cNvPr>
+          <p:cNvSpPr txBox="1"/>
+          <p:nvPr/>
+        </p:nvSpPr>
+        <p:spPr>
+          <a:xfrm>
+            <a:off x="1442977" y="5522953"/>
+            <a:ext cx="8302906" cy="1200329"/>
+          </a:xfrm>
+          <a:prstGeom prst="rect">
+            <a:avLst/>
+          </a:prstGeom>
+          <a:noFill/>
+        </p:spPr>
+        <p:txBody>
+          <a:bodyPr wrap="square">
+            <a:spAutoFit/>
+          </a:bodyPr>
+          <a:lstStyle/>
+          <a:p>
+            <a:pPr marL="285750" indent="-285750">
+              <a:buFontTx/>
+              <a:buChar char="-"/>
+            </a:pPr>
+            <a:r>
+              <a:rPr lang="en-IN" dirty="0"/>
+              <a:t>Apply risk analytics in banking and financial services on data that institution has collected tracked as history of loans.</a:t>
+            </a:r>
+          </a:p>
+          <a:p>
+            <a:pPr marL="285750" indent="-285750">
+              <a:buFontTx/>
+              <a:buChar char="-"/>
+            </a:pPr>
+            <a:r>
+              <a:rPr lang="en-IN" dirty="0"/>
+              <a:t>financial  system</a:t>
+            </a:r>
+          </a:p>
+          <a:p>
+            <a:endParaRPr lang="en-IN" dirty="0"/>
+          </a:p>
+        </p:txBody>
+      </p:sp>
+      <p:pic>
+        <p:nvPicPr>
+          <p:cNvPr id="4" name="Picture 3">
+            <a:extLst>
+              <a:ext uri="{FF2B5EF4-FFF2-40B4-BE49-F238E27FC236}">
+                <a16:creationId xmlns:a16="http://schemas.microsoft.com/office/drawing/2014/main" id="{D6C12B7E-721B-B49E-590A-A3E3F96C9B6C}"/>
+              </a:ext>
+            </a:extLst>
+          </p:cNvPr>
+          <p:cNvPicPr>
+            <a:picLocks noChangeAspect="1"/>
+          </p:cNvPicPr>
+          <p:nvPr/>
+        </p:nvPicPr>
+        <p:blipFill>
+          <a:blip r:embed="rId2"/>
+          <a:stretch>
+            <a:fillRect/>
+          </a:stretch>
+        </p:blipFill>
+        <p:spPr>
+          <a:xfrm>
+            <a:off x="2069939" y="1255123"/>
+            <a:ext cx="8181373" cy="3705656"/>
+          </a:xfrm>
+          <a:prstGeom prst="rect">
+            <a:avLst/>
+          </a:prstGeom>
+        </p:spPr>
+      </p:pic>
+    </p:spTree>
+    <p:extLst>
+      <p:ext uri="{BB962C8B-B14F-4D97-AF65-F5344CB8AC3E}">
+        <p14:creationId xmlns:p14="http://schemas.microsoft.com/office/powerpoint/2010/main" val="329086319"/>
+      </p:ext>
+    </p:extLst>
+  </p:cSld>
+  <p:clrMapOvr>
+    <a:masterClrMapping/>
+  </p:clrMapOvr>
+</p:sld>
+</file>
+
+<file path=ppt/slides/slide8.xml><?xml version="1.0" encoding="utf-8"?>
+<p:sld xmlns:a="http://schemas.openxmlformats.org/drawingml/2006/main" xmlns:r="http://schemas.openxmlformats.org/officeDocument/2006/relationships" xmlns:p="http://schemas.openxmlformats.org/presentationml/2006/main">
+  <p:cSld>
+    <p:spTree>
+      <p:nvGrpSpPr>
+        <p:cNvPr id="1" name=""/>
+        <p:cNvGrpSpPr/>
+        <p:nvPr/>
+      </p:nvGrpSpPr>
+      <p:grpSpPr>
+        <a:xfrm>
+          <a:off x="0" y="0"/>
+          <a:ext cx="0" cy="0"/>
+          <a:chOff x="0" y="0"/>
+          <a:chExt cx="0" cy="0"/>
+        </a:xfrm>
+      </p:grpSpPr>
+      <p:sp>
+        <p:nvSpPr>
+          <p:cNvPr id="2" name="Text Placeholder 1">
+            <a:extLst>
+              <a:ext uri="{FF2B5EF4-FFF2-40B4-BE49-F238E27FC236}">
+                <a16:creationId xmlns:a16="http://schemas.microsoft.com/office/drawing/2014/main" id="{D735F7F3-C1B5-4B60-A00A-4EB618DDFB5A}"/>
+              </a:ext>
+            </a:extLst>
+          </p:cNvPr>
+          <p:cNvSpPr>
+            <a:spLocks noGrp="1"/>
+          </p:cNvSpPr>
+          <p:nvPr>
+            <p:ph type="body" sz="quarter" idx="10"/>
+          </p:nvPr>
+        </p:nvSpPr>
+        <p:spPr/>
+        <p:txBody>
+          <a:bodyPr/>
+          <a:lstStyle/>
+          <a:p>
+            <a:r>
+              <a:rPr lang="en-US" dirty="0"/>
+              <a:t>Problem Statement</a:t>
+            </a:r>
+          </a:p>
+        </p:txBody>
+      </p:sp>
+      <p:sp>
+        <p:nvSpPr>
+          <p:cNvPr id="31" name="TextBox 30">
+            <a:extLst>
+              <a:ext uri="{FF2B5EF4-FFF2-40B4-BE49-F238E27FC236}">
+                <a16:creationId xmlns:a16="http://schemas.microsoft.com/office/drawing/2014/main" id="{78DE261D-5041-411B-B849-4145DE0844CA}"/>
+              </a:ext>
+            </a:extLst>
+          </p:cNvPr>
+          <p:cNvSpPr txBox="1"/>
+          <p:nvPr/>
+        </p:nvSpPr>
+        <p:spPr>
+          <a:xfrm>
+            <a:off x="1258802" y="2045083"/>
+            <a:ext cx="748249" cy="492443"/>
+          </a:xfrm>
+          <a:prstGeom prst="rect">
+            <a:avLst/>
+          </a:prstGeom>
+          <a:noFill/>
+        </p:spPr>
+        <p:txBody>
+          <a:bodyPr wrap="square" tIns="0" bIns="0" rtlCol="0" anchor="ctr">
+            <a:spAutoFit/>
+          </a:bodyPr>
+          <a:lstStyle/>
+          <a:p>
+            <a:pPr algn="ctr"/>
+            <a:r>
+              <a:rPr lang="en-US" altLang="ko-KR" sz="3200" b="1" dirty="0">
+                <a:solidFill>
+                  <a:schemeClr val="bg1"/>
+                </a:solidFill>
+                <a:cs typeface="Arial" pitchFamily="34" charset="0"/>
+              </a:rPr>
+              <a:t>01</a:t>
+            </a:r>
+          </a:p>
+        </p:txBody>
+      </p:sp>
+      <p:sp>
+        <p:nvSpPr>
+          <p:cNvPr id="58" name="TextBox 57">
+            <a:extLst>
+              <a:ext uri="{FF2B5EF4-FFF2-40B4-BE49-F238E27FC236}">
+                <a16:creationId xmlns:a16="http://schemas.microsoft.com/office/drawing/2014/main" id="{5E511214-0F2F-AAA3-BD88-7D6B805275EE}"/>
+              </a:ext>
+            </a:extLst>
+          </p:cNvPr>
+          <p:cNvSpPr txBox="1"/>
+          <p:nvPr/>
+        </p:nvSpPr>
+        <p:spPr>
+          <a:xfrm>
+            <a:off x="1442977" y="5522953"/>
+            <a:ext cx="8302906" cy="1200329"/>
+          </a:xfrm>
+          <a:prstGeom prst="rect">
+            <a:avLst/>
+          </a:prstGeom>
+          <a:noFill/>
+        </p:spPr>
+        <p:txBody>
+          <a:bodyPr wrap="square">
+            <a:spAutoFit/>
+          </a:bodyPr>
+          <a:lstStyle/>
+          <a:p>
+            <a:pPr marL="285750" indent="-285750">
+              <a:buFontTx/>
+              <a:buChar char="-"/>
+            </a:pPr>
+            <a:r>
+              <a:rPr lang="en-IN" dirty="0"/>
+              <a:t>Apply risk analytics in banking and financial services on data that institution has collected tracked as history of loans.</a:t>
+            </a:r>
+          </a:p>
+          <a:p>
+            <a:pPr marL="285750" indent="-285750">
+              <a:buFontTx/>
+              <a:buChar char="-"/>
+            </a:pPr>
+            <a:r>
+              <a:rPr lang="en-IN" dirty="0"/>
+              <a:t>financial  system</a:t>
+            </a:r>
+          </a:p>
+          <a:p>
+            <a:endParaRPr lang="en-IN" dirty="0"/>
+          </a:p>
+        </p:txBody>
+      </p:sp>
+    </p:spTree>
+    <p:extLst>
+      <p:ext uri="{BB962C8B-B14F-4D97-AF65-F5344CB8AC3E}">
+        <p14:creationId xmlns:p14="http://schemas.microsoft.com/office/powerpoint/2010/main" val="1418168285"/>
+      </p:ext>
+    </p:extLst>
+  </p:cSld>
+  <p:clrMapOvr>
+    <a:masterClrMapping/>
+  </p:clrMapOvr>
+</p:sld>
+</file>
+
+<file path=ppt/slides/slide9.xml><?xml version="1.0" encoding="utf-8"?>
+<p:sld xmlns:a="http://schemas.openxmlformats.org/drawingml/2006/main" xmlns:r="http://schemas.openxmlformats.org/officeDocument/2006/relationships" xmlns:p="http://schemas.openxmlformats.org/presentationml/2006/main">
+  <p:cSld>
+    <p:spTree>
+      <p:nvGrpSpPr>
+        <p:cNvPr id="1" name=""/>
+        <p:cNvGrpSpPr/>
+        <p:nvPr/>
+      </p:nvGrpSpPr>
+      <p:grpSpPr>
+        <a:xfrm>
+          <a:off x="0" y="0"/>
+          <a:ext cx="0" cy="0"/>
+          <a:chOff x="0" y="0"/>
+          <a:chExt cx="0" cy="0"/>
+        </a:xfrm>
+      </p:grpSpPr>
+      <p:sp>
+        <p:nvSpPr>
+          <p:cNvPr id="2" name="Text Placeholder 1">
+            <a:extLst>
+              <a:ext uri="{FF2B5EF4-FFF2-40B4-BE49-F238E27FC236}">
+                <a16:creationId xmlns:a16="http://schemas.microsoft.com/office/drawing/2014/main" id="{D735F7F3-C1B5-4B60-A00A-4EB618DDFB5A}"/>
+              </a:ext>
+            </a:extLst>
+          </p:cNvPr>
+          <p:cNvSpPr>
+            <a:spLocks noGrp="1"/>
+          </p:cNvSpPr>
+          <p:nvPr>
+            <p:ph type="body" sz="quarter" idx="10"/>
+          </p:nvPr>
+        </p:nvSpPr>
+        <p:spPr/>
+        <p:txBody>
+          <a:bodyPr/>
+          <a:lstStyle/>
+          <a:p>
+            <a:r>
+              <a:rPr lang="en-US" dirty="0"/>
+              <a:t>Problem Statement</a:t>
+            </a:r>
+          </a:p>
+        </p:txBody>
+      </p:sp>
+      <p:sp>
+        <p:nvSpPr>
+          <p:cNvPr id="31" name="TextBox 30">
+            <a:extLst>
+              <a:ext uri="{FF2B5EF4-FFF2-40B4-BE49-F238E27FC236}">
+                <a16:creationId xmlns:a16="http://schemas.microsoft.com/office/drawing/2014/main" id="{78DE261D-5041-411B-B849-4145DE0844CA}"/>
+              </a:ext>
+            </a:extLst>
+          </p:cNvPr>
+          <p:cNvSpPr txBox="1"/>
+          <p:nvPr/>
+        </p:nvSpPr>
+        <p:spPr>
+          <a:xfrm>
+            <a:off x="1258802" y="2045083"/>
+            <a:ext cx="748249" cy="492443"/>
+          </a:xfrm>
+          <a:prstGeom prst="rect">
+            <a:avLst/>
+          </a:prstGeom>
+          <a:noFill/>
+        </p:spPr>
+        <p:txBody>
+          <a:bodyPr wrap="square" tIns="0" bIns="0" rtlCol="0" anchor="ctr">
+            <a:spAutoFit/>
+          </a:bodyPr>
+          <a:lstStyle/>
+          <a:p>
+            <a:pPr algn="ctr"/>
+            <a:r>
+              <a:rPr lang="en-US" altLang="ko-KR" sz="3200" b="1" dirty="0">
+                <a:solidFill>
+                  <a:schemeClr val="bg1"/>
+                </a:solidFill>
+                <a:cs typeface="Arial" pitchFamily="34" charset="0"/>
+              </a:rPr>
+              <a:t>01</a:t>
+            </a:r>
+          </a:p>
+        </p:txBody>
+      </p:sp>
+      <p:sp>
+        <p:nvSpPr>
+          <p:cNvPr id="58" name="TextBox 57">
+            <a:extLst>
+              <a:ext uri="{FF2B5EF4-FFF2-40B4-BE49-F238E27FC236}">
+                <a16:creationId xmlns:a16="http://schemas.microsoft.com/office/drawing/2014/main" id="{5E511214-0F2F-AAA3-BD88-7D6B805275EE}"/>
+              </a:ext>
+            </a:extLst>
+          </p:cNvPr>
+          <p:cNvSpPr txBox="1"/>
+          <p:nvPr/>
+        </p:nvSpPr>
+        <p:spPr>
+          <a:xfrm>
+            <a:off x="1442977" y="5522953"/>
+            <a:ext cx="8302906" cy="1200329"/>
+          </a:xfrm>
+          <a:prstGeom prst="rect">
+            <a:avLst/>
+          </a:prstGeom>
+          <a:noFill/>
+        </p:spPr>
+        <p:txBody>
+          <a:bodyPr wrap="square">
+            <a:spAutoFit/>
+          </a:bodyPr>
+          <a:lstStyle/>
+          <a:p>
+            <a:pPr marL="285750" indent="-285750">
+              <a:buFontTx/>
+              <a:buChar char="-"/>
+            </a:pPr>
+            <a:r>
+              <a:rPr lang="en-IN" dirty="0"/>
+              <a:t>Apply risk analytics in banking and financial services on data that institution has collected tracked as history of loans.</a:t>
+            </a:r>
+          </a:p>
+          <a:p>
+            <a:pPr marL="285750" indent="-285750">
+              <a:buFontTx/>
+              <a:buChar char="-"/>
+            </a:pPr>
+            <a:r>
+              <a:rPr lang="en-IN" dirty="0"/>
+              <a:t>financial  system</a:t>
+            </a:r>
+          </a:p>
+          <a:p>
+            <a:endParaRPr lang="en-IN" dirty="0"/>
+          </a:p>
+        </p:txBody>
+      </p:sp>
+      <p:pic>
+        <p:nvPicPr>
+          <p:cNvPr id="5" name="Picture 4">
+            <a:extLst>
+              <a:ext uri="{FF2B5EF4-FFF2-40B4-BE49-F238E27FC236}">
+                <a16:creationId xmlns:a16="http://schemas.microsoft.com/office/drawing/2014/main" id="{2D7B37F7-F72F-388F-C1D2-94352E0BE4E7}"/>
+              </a:ext>
+            </a:extLst>
+          </p:cNvPr>
+          <p:cNvPicPr>
+            <a:picLocks noChangeAspect="1"/>
+          </p:cNvPicPr>
+          <p:nvPr/>
+        </p:nvPicPr>
+        <p:blipFill>
+          <a:blip r:embed="rId2"/>
+          <a:stretch>
+            <a:fillRect/>
+          </a:stretch>
+        </p:blipFill>
+        <p:spPr>
+          <a:xfrm>
+            <a:off x="787078" y="1423687"/>
+            <a:ext cx="4475128" cy="3159888"/>
+          </a:xfrm>
+          <a:prstGeom prst="rect">
+            <a:avLst/>
+          </a:prstGeom>
+        </p:spPr>
+      </p:pic>
+      <p:pic>
+        <p:nvPicPr>
+          <p:cNvPr id="7" name="Picture 6">
+            <a:extLst>
+              <a:ext uri="{FF2B5EF4-FFF2-40B4-BE49-F238E27FC236}">
+                <a16:creationId xmlns:a16="http://schemas.microsoft.com/office/drawing/2014/main" id="{D54D8302-964F-2905-5DE9-E3ED9E129CB8}"/>
+              </a:ext>
+            </a:extLst>
+          </p:cNvPr>
+          <p:cNvPicPr>
+            <a:picLocks noChangeAspect="1"/>
+          </p:cNvPicPr>
+          <p:nvPr/>
+        </p:nvPicPr>
+        <p:blipFill>
+          <a:blip r:embed="rId3"/>
+          <a:stretch>
+            <a:fillRect/>
+          </a:stretch>
+        </p:blipFill>
+        <p:spPr>
+          <a:xfrm>
+            <a:off x="5594430" y="1423687"/>
+            <a:ext cx="6458070" cy="3159888"/>
+          </a:xfrm>
+          <a:prstGeom prst="rect">
+            <a:avLst/>
+          </a:prstGeom>
+        </p:spPr>
+      </p:pic>
+    </p:spTree>
+    <p:extLst>
+      <p:ext uri="{BB962C8B-B14F-4D97-AF65-F5344CB8AC3E}">
+        <p14:creationId xmlns:p14="http://schemas.microsoft.com/office/powerpoint/2010/main" val="1590770791"/>
       </p:ext>
     </p:extLst>
   </p:cSld>
